--- a/Slides/Schools Snapshot/AssessmentOverview_SchoolTemplate_202306.pptx
+++ b/Slides/Schools Snapshot/AssessmentOverview_SchoolTemplate_202306.pptx
@@ -5312,7 +5312,7 @@
         <p:spPr>
           <a:xfrm>
             <a:off x="2507191" y="190920"/>
-            <a:ext cx="3549015" cy="1042408"/>
+            <a:ext cx="3549015" cy="1033443"/>
           </a:xfrm>
           <a:prstGeom prst="rect">
             <a:avLst/>
@@ -5552,7 +5552,7 @@
                   <a:schemeClr val="tx1"/>
                 </a:solidFill>
               </a:rPr>
-              <a:t>10-credit modules offered within the School</a:t>
+              <a:t>15+-credit modules offered within the School</a:t>
             </a:r>
           </a:p>
         </p:txBody>
@@ -5722,7 +5722,7 @@
         <p:spPr>
           <a:xfrm>
             <a:off x="8425396" y="190860"/>
-            <a:ext cx="3681314" cy="1047760"/>
+            <a:ext cx="3681314" cy="1033443"/>
           </a:xfrm>
           <a:prstGeom prst="rect">
             <a:avLst/>
@@ -5832,7 +5832,7 @@
                   <a:schemeClr val="tx1"/>
                 </a:solidFill>
               </a:rPr>
-              <a:t>15+-credit modules offered within the School</a:t>
+              <a:t>10-credit modules offered within the School</a:t>
             </a:r>
           </a:p>
         </p:txBody>
@@ -5851,8 +5851,8 @@
         </p:nvSpPr>
         <p:spPr>
           <a:xfrm>
-            <a:off x="85291" y="190183"/>
-            <a:ext cx="2421900" cy="1042183"/>
+            <a:off x="85291" y="190184"/>
+            <a:ext cx="2421899" cy="1039928"/>
           </a:xfrm>
           <a:prstGeom prst="rect">
             <a:avLst/>
@@ -5887,7 +5887,7 @@
             <a:pPr algn="r"/>
             <a:r>
               <a:rPr lang="en-GB" sz="4400" b="1" dirty="0"/>
-              <a:t>100,000</a:t>
+              <a:t>513</a:t>
             </a:r>
           </a:p>
         </p:txBody>
@@ -5907,7 +5907,7 @@
         <p:spPr>
           <a:xfrm>
             <a:off x="6135795" y="190860"/>
-            <a:ext cx="2289600" cy="1047760"/>
+            <a:ext cx="2289600" cy="1033443"/>
           </a:xfrm>
           <a:prstGeom prst="rect">
             <a:avLst/>
